--- a/git.pptx
+++ b/git.pptx
@@ -6475,7 +6475,7 @@
           <a:p>
             <a:fld id="{C723ABD2-F568-406D-80B9-D69BE7AD20DC}" type="datetimeFigureOut">
               <a:rPr lang="en-US" smtClean="0"/>
-              <a:t>29/04/2022</a:t>
+              <a:t>7/28/2023</a:t>
             </a:fld>
             <a:endParaRPr lang="en-US"/>
           </a:p>
@@ -6799,7 +6799,7 @@
           <a:p>
             <a:fld id="{C723ABD2-F568-406D-80B9-D69BE7AD20DC}" type="datetimeFigureOut">
               <a:rPr lang="en-US" smtClean="0"/>
-              <a:t>29/04/2022</a:t>
+              <a:t>7/28/2023</a:t>
             </a:fld>
             <a:endParaRPr lang="en-US"/>
           </a:p>
@@ -7047,7 +7047,7 @@
           <a:p>
             <a:fld id="{C723ABD2-F568-406D-80B9-D69BE7AD20DC}" type="datetimeFigureOut">
               <a:rPr lang="en-US" smtClean="0"/>
-              <a:t>29/04/2022</a:t>
+              <a:t>7/28/2023</a:t>
             </a:fld>
             <a:endParaRPr lang="en-US"/>
           </a:p>
@@ -7386,7 +7386,7 @@
           <a:p>
             <a:fld id="{C723ABD2-F568-406D-80B9-D69BE7AD20DC}" type="datetimeFigureOut">
               <a:rPr lang="en-US" smtClean="0"/>
-              <a:t>29/04/2022</a:t>
+              <a:t>7/28/2023</a:t>
             </a:fld>
             <a:endParaRPr lang="en-US"/>
           </a:p>
@@ -7733,7 +7733,7 @@
           <a:p>
             <a:fld id="{C723ABD2-F568-406D-80B9-D69BE7AD20DC}" type="datetimeFigureOut">
               <a:rPr lang="en-US" smtClean="0"/>
-              <a:t>29/04/2022</a:t>
+              <a:t>7/28/2023</a:t>
             </a:fld>
             <a:endParaRPr lang="en-US"/>
           </a:p>
@@ -8107,7 +8107,7 @@
           <a:p>
             <a:fld id="{C723ABD2-F568-406D-80B9-D69BE7AD20DC}" type="datetimeFigureOut">
               <a:rPr lang="en-US" smtClean="0"/>
-              <a:t>29/04/2022</a:t>
+              <a:t>7/28/2023</a:t>
             </a:fld>
             <a:endParaRPr lang="en-US"/>
           </a:p>
@@ -8577,7 +8577,7 @@
           <a:p>
             <a:fld id="{C723ABD2-F568-406D-80B9-D69BE7AD20DC}" type="datetimeFigureOut">
               <a:rPr lang="en-US" smtClean="0"/>
-              <a:t>29/04/2022</a:t>
+              <a:t>7/28/2023</a:t>
             </a:fld>
             <a:endParaRPr lang="en-US"/>
           </a:p>
@@ -8782,7 +8782,7 @@
           <a:p>
             <a:fld id="{C723ABD2-F568-406D-80B9-D69BE7AD20DC}" type="datetimeFigureOut">
               <a:rPr lang="en-US" smtClean="0"/>
-              <a:t>29/04/2022</a:t>
+              <a:t>7/28/2023</a:t>
             </a:fld>
             <a:endParaRPr lang="en-US"/>
           </a:p>
@@ -8993,7 +8993,7 @@
           <a:p>
             <a:fld id="{C723ABD2-F568-406D-80B9-D69BE7AD20DC}" type="datetimeFigureOut">
               <a:rPr lang="en-US" smtClean="0"/>
-              <a:t>29/04/2022</a:t>
+              <a:t>7/28/2023</a:t>
             </a:fld>
             <a:endParaRPr lang="en-US"/>
           </a:p>
@@ -9225,7 +9225,7 @@
           <a:p>
             <a:fld id="{C723ABD2-F568-406D-80B9-D69BE7AD20DC}" type="datetimeFigureOut">
               <a:rPr lang="en-US" smtClean="0"/>
-              <a:t>29/04/2022</a:t>
+              <a:t>7/28/2023</a:t>
             </a:fld>
             <a:endParaRPr lang="en-US"/>
           </a:p>
@@ -9473,7 +9473,7 @@
           <a:p>
             <a:fld id="{C723ABD2-F568-406D-80B9-D69BE7AD20DC}" type="datetimeFigureOut">
               <a:rPr lang="en-US" smtClean="0"/>
-              <a:t>29/04/2022</a:t>
+              <a:t>7/28/2023</a:t>
             </a:fld>
             <a:endParaRPr lang="en-US"/>
           </a:p>
@@ -9771,7 +9771,7 @@
           <a:p>
             <a:fld id="{C723ABD2-F568-406D-80B9-D69BE7AD20DC}" type="datetimeFigureOut">
               <a:rPr lang="en-US" smtClean="0"/>
-              <a:t>29/04/2022</a:t>
+              <a:t>7/28/2023</a:t>
             </a:fld>
             <a:endParaRPr lang="en-US"/>
           </a:p>
@@ -10165,7 +10165,7 @@
           <a:p>
             <a:fld id="{C723ABD2-F568-406D-80B9-D69BE7AD20DC}" type="datetimeFigureOut">
               <a:rPr lang="en-US" smtClean="0"/>
-              <a:t>29/04/2022</a:t>
+              <a:t>7/28/2023</a:t>
             </a:fld>
             <a:endParaRPr lang="en-US"/>
           </a:p>
@@ -10314,7 +10314,7 @@
           <a:p>
             <a:fld id="{C723ABD2-F568-406D-80B9-D69BE7AD20DC}" type="datetimeFigureOut">
               <a:rPr lang="en-US" smtClean="0"/>
-              <a:t>29/04/2022</a:t>
+              <a:t>7/28/2023</a:t>
             </a:fld>
             <a:endParaRPr lang="en-US"/>
           </a:p>
@@ -10440,7 +10440,7 @@
           <a:p>
             <a:fld id="{C723ABD2-F568-406D-80B9-D69BE7AD20DC}" type="datetimeFigureOut">
               <a:rPr lang="en-US" smtClean="0"/>
-              <a:t>29/04/2022</a:t>
+              <a:t>7/28/2023</a:t>
             </a:fld>
             <a:endParaRPr lang="en-US"/>
           </a:p>
@@ -10695,7 +10695,7 @@
           <a:p>
             <a:fld id="{C723ABD2-F568-406D-80B9-D69BE7AD20DC}" type="datetimeFigureOut">
               <a:rPr lang="en-US" smtClean="0"/>
-              <a:t>29/04/2022</a:t>
+              <a:t>7/28/2023</a:t>
             </a:fld>
             <a:endParaRPr lang="en-US"/>
           </a:p>
@@ -11010,7 +11010,7 @@
           <a:p>
             <a:fld id="{C723ABD2-F568-406D-80B9-D69BE7AD20DC}" type="datetimeFigureOut">
               <a:rPr lang="en-US" smtClean="0"/>
-              <a:t>29/04/2022</a:t>
+              <a:t>7/28/2023</a:t>
             </a:fld>
             <a:endParaRPr lang="en-US"/>
           </a:p>
@@ -11361,7 +11361,7 @@
           <a:p>
             <a:fld id="{C723ABD2-F568-406D-80B9-D69BE7AD20DC}" type="datetimeFigureOut">
               <a:rPr lang="en-US" smtClean="0"/>
-              <a:t>29/04/2022</a:t>
+              <a:t>7/28/2023</a:t>
             </a:fld>
             <a:endParaRPr lang="en-US"/>
           </a:p>
@@ -11946,32 +11946,15 @@
             </a:r>
             <a:r>
               <a:rPr lang="en-US" sz="2400" dirty="0"/>
-              <a:t> – Kickstart Guide</a:t>
-            </a:r>
-          </a:p>
-          <a:p>
-            <a:r>
-              <a:rPr lang="en-US" sz="2400" dirty="0"/>
-              <a:t>By</a:t>
-            </a:r>
-          </a:p>
-          <a:p>
-            <a:r>
-              <a:rPr lang="en-US" sz="2400" dirty="0"/>
-              <a:t>Vaishali, </a:t>
+              <a:t> – </a:t>
             </a:r>
             <a:r>
-              <a:rPr lang="en-US" sz="2400" dirty="0" err="1"/>
-              <a:t>Rohan,Aditya</a:t>
+              <a:rPr lang="en-US" sz="2400"/>
+              <a:t>Kickstart Guide</a:t>
             </a:r>
-            <a:r>
-              <a:rPr lang="en-US" sz="2400" dirty="0"/>
-              <a:t>, Abhishek &amp; </a:t>
-            </a:r>
-            <a:r>
-              <a:rPr lang="en-US" sz="2400" dirty="0" err="1"/>
-              <a:t>Cheliyan</a:t>
-            </a:r>
+            <a:endParaRPr lang="en-US" sz="2400" dirty="0"/>
+          </a:p>
+          <a:p>
             <a:endParaRPr lang="en-US" sz="2400" dirty="0"/>
           </a:p>
         </p:txBody>
